--- a/SE-2016A-G08-项目介绍V1.2.1.pptx
+++ b/SE-2016A-G08-项目介绍V1.2.1.pptx
@@ -210,7 +210,7 @@
           <a:p>
             <a:fld id="{602EE1C5-99C1-47B6-9F05-A280620E55AE}" type="datetimeFigureOut">
               <a:rPr lang="zh-CN" altLang="en-US" smtClean="0"/>
-              <a:t>2016/3/16</a:t>
+              <a:t>2016/3/18</a:t>
             </a:fld>
             <a:endParaRPr lang="zh-CN" altLang="en-US"/>
           </a:p>
@@ -2696,7 +2696,7 @@
           <a:p>
             <a:fld id="{D6E18AA5-5EEE-4088-AA86-163203DB8769}" type="datetimeFigureOut">
               <a:rPr lang="zh-CN" altLang="en-US" smtClean="0"/>
-              <a:t>2016/3/16</a:t>
+              <a:t>2016/3/18</a:t>
             </a:fld>
             <a:endParaRPr lang="zh-CN" altLang="en-US"/>
           </a:p>
@@ -2971,7 +2971,7 @@
           <a:p>
             <a:fld id="{D6E18AA5-5EEE-4088-AA86-163203DB8769}" type="datetimeFigureOut">
               <a:rPr lang="zh-CN" altLang="en-US" smtClean="0"/>
-              <a:t>2016/3/16</a:t>
+              <a:t>2016/3/18</a:t>
             </a:fld>
             <a:endParaRPr lang="zh-CN" altLang="en-US"/>
           </a:p>
@@ -3165,7 +3165,7 @@
           <a:p>
             <a:fld id="{D6E18AA5-5EEE-4088-AA86-163203DB8769}" type="datetimeFigureOut">
               <a:rPr lang="zh-CN" altLang="en-US" smtClean="0"/>
-              <a:t>2016/3/16</a:t>
+              <a:t>2016/3/18</a:t>
             </a:fld>
             <a:endParaRPr lang="zh-CN" altLang="en-US"/>
           </a:p>
@@ -3438,7 +3438,7 @@
           <a:p>
             <a:fld id="{D6E18AA5-5EEE-4088-AA86-163203DB8769}" type="datetimeFigureOut">
               <a:rPr lang="zh-CN" altLang="en-US" smtClean="0"/>
-              <a:t>2016/3/16</a:t>
+              <a:t>2016/3/18</a:t>
             </a:fld>
             <a:endParaRPr lang="zh-CN" altLang="en-US"/>
           </a:p>
@@ -3779,7 +3779,7 @@
           <a:p>
             <a:fld id="{D6E18AA5-5EEE-4088-AA86-163203DB8769}" type="datetimeFigureOut">
               <a:rPr lang="zh-CN" altLang="en-US" smtClean="0"/>
-              <a:t>2016/3/16</a:t>
+              <a:t>2016/3/18</a:t>
             </a:fld>
             <a:endParaRPr lang="zh-CN" altLang="en-US"/>
           </a:p>
@@ -4402,7 +4402,7 @@
           <a:p>
             <a:fld id="{D6E18AA5-5EEE-4088-AA86-163203DB8769}" type="datetimeFigureOut">
               <a:rPr lang="zh-CN" altLang="en-US" smtClean="0"/>
-              <a:t>2016/3/16</a:t>
+              <a:t>2016/3/18</a:t>
             </a:fld>
             <a:endParaRPr lang="zh-CN" altLang="en-US"/>
           </a:p>
@@ -5262,7 +5262,7 @@
           <a:p>
             <a:fld id="{D6E18AA5-5EEE-4088-AA86-163203DB8769}" type="datetimeFigureOut">
               <a:rPr lang="zh-CN" altLang="en-US" smtClean="0"/>
-              <a:t>2016/3/16</a:t>
+              <a:t>2016/3/18</a:t>
             </a:fld>
             <a:endParaRPr lang="zh-CN" altLang="en-US"/>
           </a:p>
@@ -5432,7 +5432,7 @@
           <a:p>
             <a:fld id="{D6E18AA5-5EEE-4088-AA86-163203DB8769}" type="datetimeFigureOut">
               <a:rPr lang="zh-CN" altLang="en-US" smtClean="0"/>
-              <a:t>2016/3/16</a:t>
+              <a:t>2016/3/18</a:t>
             </a:fld>
             <a:endParaRPr lang="zh-CN" altLang="en-US"/>
           </a:p>
@@ -5612,7 +5612,7 @@
           <a:p>
             <a:fld id="{D6E18AA5-5EEE-4088-AA86-163203DB8769}" type="datetimeFigureOut">
               <a:rPr lang="zh-CN" altLang="en-US" smtClean="0"/>
-              <a:t>2016/3/16</a:t>
+              <a:t>2016/3/18</a:t>
             </a:fld>
             <a:endParaRPr lang="zh-CN" altLang="en-US"/>
           </a:p>
@@ -5782,7 +5782,7 @@
           <a:p>
             <a:fld id="{D6E18AA5-5EEE-4088-AA86-163203DB8769}" type="datetimeFigureOut">
               <a:rPr lang="zh-CN" altLang="en-US" smtClean="0"/>
-              <a:t>2016/3/16</a:t>
+              <a:t>2016/3/18</a:t>
             </a:fld>
             <a:endParaRPr lang="zh-CN" altLang="en-US"/>
           </a:p>
@@ -6029,7 +6029,7 @@
           <a:p>
             <a:fld id="{D6E18AA5-5EEE-4088-AA86-163203DB8769}" type="datetimeFigureOut">
               <a:rPr lang="zh-CN" altLang="en-US" smtClean="0"/>
-              <a:t>2016/3/16</a:t>
+              <a:t>2016/3/18</a:t>
             </a:fld>
             <a:endParaRPr lang="zh-CN" altLang="en-US"/>
           </a:p>
@@ -6321,7 +6321,7 @@
           <a:p>
             <a:fld id="{D6E18AA5-5EEE-4088-AA86-163203DB8769}" type="datetimeFigureOut">
               <a:rPr lang="zh-CN" altLang="en-US" smtClean="0"/>
-              <a:t>2016/3/16</a:t>
+              <a:t>2016/3/18</a:t>
             </a:fld>
             <a:endParaRPr lang="zh-CN" altLang="en-US"/>
           </a:p>
@@ -6765,7 +6765,7 @@
           <a:p>
             <a:fld id="{D6E18AA5-5EEE-4088-AA86-163203DB8769}" type="datetimeFigureOut">
               <a:rPr lang="zh-CN" altLang="en-US" smtClean="0"/>
-              <a:t>2016/3/16</a:t>
+              <a:t>2016/3/18</a:t>
             </a:fld>
             <a:endParaRPr lang="zh-CN" altLang="en-US"/>
           </a:p>
@@ -6883,7 +6883,7 @@
           <a:p>
             <a:fld id="{D6E18AA5-5EEE-4088-AA86-163203DB8769}" type="datetimeFigureOut">
               <a:rPr lang="zh-CN" altLang="en-US" smtClean="0"/>
-              <a:t>2016/3/16</a:t>
+              <a:t>2016/3/18</a:t>
             </a:fld>
             <a:endParaRPr lang="zh-CN" altLang="en-US"/>
           </a:p>
@@ -6978,7 +6978,7 @@
           <a:p>
             <a:fld id="{D6E18AA5-5EEE-4088-AA86-163203DB8769}" type="datetimeFigureOut">
               <a:rPr lang="zh-CN" altLang="en-US" smtClean="0"/>
-              <a:t>2016/3/16</a:t>
+              <a:t>2016/3/18</a:t>
             </a:fld>
             <a:endParaRPr lang="zh-CN" altLang="en-US"/>
           </a:p>
@@ -7257,7 +7257,7 @@
           <a:p>
             <a:fld id="{D6E18AA5-5EEE-4088-AA86-163203DB8769}" type="datetimeFigureOut">
               <a:rPr lang="zh-CN" altLang="en-US" smtClean="0"/>
-              <a:t>2016/3/16</a:t>
+              <a:t>2016/3/18</a:t>
             </a:fld>
             <a:endParaRPr lang="zh-CN" altLang="en-US"/>
           </a:p>
@@ -7532,7 +7532,7 @@
           <a:p>
             <a:fld id="{D6E18AA5-5EEE-4088-AA86-163203DB8769}" type="datetimeFigureOut">
               <a:rPr lang="zh-CN" altLang="en-US" smtClean="0"/>
-              <a:t>2016/3/16</a:t>
+              <a:t>2016/3/18</a:t>
             </a:fld>
             <a:endParaRPr lang="zh-CN" altLang="en-US"/>
           </a:p>
@@ -7961,7 +7961,7 @@
           <a:p>
             <a:fld id="{D6E18AA5-5EEE-4088-AA86-163203DB8769}" type="datetimeFigureOut">
               <a:rPr lang="zh-CN" altLang="en-US" smtClean="0"/>
-              <a:t>2016/3/16</a:t>
+              <a:t>2016/3/18</a:t>
             </a:fld>
             <a:endParaRPr lang="zh-CN" altLang="en-US"/>
           </a:p>
@@ -8505,11 +8505,11 @@
           <a:lstStyle/>
           <a:p>
             <a:r>
-              <a:rPr lang="zh-CN" altLang="en-US" dirty="0">
-                <a:latin typeface="微软雅黑" panose="020B0503020204020204" pitchFamily="34" charset="-122"/>
-                <a:ea typeface="微软雅黑" panose="020B0503020204020204" pitchFamily="34" charset="-122"/>
-              </a:rPr>
-              <a:t>气象站</a:t>
+              <a:rPr lang="zh-CN" altLang="en-US">
+                <a:latin typeface="微软雅黑" panose="020B0503020204020204" pitchFamily="34" charset="-122"/>
+                <a:ea typeface="微软雅黑" panose="020B0503020204020204" pitchFamily="34" charset="-122"/>
+              </a:rPr>
+              <a:t>物联网气象站</a:t>
             </a:r>
             <a:r>
               <a:rPr lang="zh-CN" altLang="zh-CN" dirty="0">
